--- a/presentations/meeting160421.pptx
+++ b/presentations/meeting160421.pptx
@@ -5,15 +5,14 @@
     <p:sldMasterId id="2147483660" r:id="rId1"/>
   </p:sldMasterIdLst>
   <p:notesMasterIdLst>
-    <p:notesMasterId r:id="rId8"/>
+    <p:notesMasterId r:id="rId7"/>
   </p:notesMasterIdLst>
   <p:sldIdLst>
     <p:sldId id="310" r:id="rId2"/>
     <p:sldId id="309" r:id="rId3"/>
     <p:sldId id="311" r:id="rId4"/>
     <p:sldId id="312" r:id="rId5"/>
-    <p:sldId id="313" r:id="rId6"/>
-    <p:sldId id="314" r:id="rId7"/>
+    <p:sldId id="315" r:id="rId6"/>
   </p:sldIdLst>
   <p:sldSz cx="12192000" cy="6858000"/>
   <p:notesSz cx="6858000" cy="9144000"/>
@@ -213,7 +212,7 @@
           <a:p>
             <a:fld id="{8C594472-1001-3F45-843E-AD6F2325AFE4}" type="datetimeFigureOut">
               <a:rPr lang="en-US" smtClean="0"/>
-              <a:t>4/15/21</a:t>
+              <a:t>4/20/21</a:t>
             </a:fld>
             <a:endParaRPr lang="en-US"/>
           </a:p>
@@ -691,7 +690,7 @@
           <a:p>
             <a:fld id="{73C55A3C-5767-4844-A0A3-83778C2E5409}" type="datetime1">
               <a:rPr lang="en-US" smtClean="0"/>
-              <a:t>4/15/21</a:t>
+              <a:t>4/20/21</a:t>
             </a:fld>
             <a:endParaRPr lang="en-US" dirty="0"/>
           </a:p>
@@ -3855,9 +3854,9 @@
         <p:grpSpPr>
           <a:xfrm>
             <a:off x="143709" y="3212976"/>
-            <a:ext cx="4740568" cy="3024336"/>
+            <a:ext cx="4800163" cy="3024336"/>
             <a:chOff x="143709" y="3212976"/>
-            <a:chExt cx="4740568" cy="3024336"/>
+            <a:chExt cx="4800163" cy="3024336"/>
           </a:xfrm>
         </p:grpSpPr>
         <p:grpSp>
@@ -3875,9 +3874,9 @@
           <p:grpSpPr>
             <a:xfrm>
               <a:off x="143709" y="3604448"/>
-              <a:ext cx="4740568" cy="2632864"/>
+              <a:ext cx="4800163" cy="2632864"/>
               <a:chOff x="143709" y="3851756"/>
-              <a:chExt cx="4740568" cy="2632864"/>
+              <a:chExt cx="4800163" cy="2632864"/>
             </a:xfrm>
           </p:grpSpPr>
           <p:pic>
@@ -3902,7 +3901,7 @@
             </p:blipFill>
             <p:spPr>
               <a:xfrm>
-                <a:off x="2423592" y="4023935"/>
+                <a:off x="2483187" y="4023935"/>
                 <a:ext cx="2460685" cy="2460685"/>
               </a:xfrm>
               <a:prstGeom prst="rect">
@@ -4015,7 +4014,7 @@
             </p:nvSpPr>
             <p:spPr>
               <a:xfrm>
-                <a:off x="2999656" y="3851756"/>
+                <a:off x="3215680" y="3851756"/>
                 <a:ext cx="1396153" cy="369332"/>
               </a:xfrm>
               <a:prstGeom prst="rect">
@@ -4179,7 +4178,7 @@
         </p:nvSpPr>
         <p:spPr>
           <a:xfrm>
-            <a:off x="191344" y="6093296"/>
+            <a:off x="191344" y="6671101"/>
             <a:ext cx="5003002" cy="646331"/>
           </a:xfrm>
           <a:prstGeom prst="rect">
@@ -4696,7 +4695,7 @@
                 </a:solidFill>
                 <a:latin typeface="Tw Cen MT" panose="020B0602020104020603" pitchFamily="34" charset="77"/>
               </a:rPr>
-              <a:t>Multiple rooms </a:t>
+              <a:t>Two rooms </a:t>
             </a:r>
           </a:p>
         </p:txBody>
@@ -5096,6 +5095,77 @@
           </a:prstGeom>
         </p:spPr>
       </p:pic>
+      <p:sp>
+        <p:nvSpPr>
+          <p:cNvPr id="20" name="TextBox 19">
+            <a:extLst>
+              <a:ext uri="{FF2B5EF4-FFF2-40B4-BE49-F238E27FC236}">
+                <a16:creationId xmlns:a16="http://schemas.microsoft.com/office/drawing/2014/main" id="{BAC8308A-8B11-EE4A-A1CF-EF151DE40E60}"/>
+              </a:ext>
+            </a:extLst>
+          </p:cNvPr>
+          <p:cNvSpPr txBox="1"/>
+          <p:nvPr/>
+        </p:nvSpPr>
+        <p:spPr>
+          <a:xfrm>
+            <a:off x="1350293" y="7270195"/>
+            <a:ext cx="3874790" cy="1200329"/>
+          </a:xfrm>
+          <a:prstGeom prst="rect">
+            <a:avLst/>
+          </a:prstGeom>
+          <a:noFill/>
+        </p:spPr>
+        <p:txBody>
+          <a:bodyPr wrap="square" rtlCol="0">
+            <a:spAutoFit/>
+          </a:bodyPr>
+          <a:lstStyle/>
+          <a:p>
+            <a:pPr algn="l"/>
+            <a:r>
+              <a:rPr lang="en-US" dirty="0">
+                <a:solidFill>
+                  <a:schemeClr val="bg1">
+                    <a:lumMod val="60000"/>
+                    <a:lumOff val="40000"/>
+                  </a:schemeClr>
+                </a:solidFill>
+              </a:rPr>
+              <a:t>Biggest problems: </a:t>
+            </a:r>
+          </a:p>
+          <a:p>
+            <a:pPr algn="l"/>
+            <a:r>
+              <a:rPr lang="en-US" dirty="0">
+                <a:solidFill>
+                  <a:schemeClr val="bg1">
+                    <a:lumMod val="60000"/>
+                    <a:lumOff val="40000"/>
+                  </a:schemeClr>
+                </a:solidFill>
+              </a:rPr>
+              <a:t>• Can be slow to train </a:t>
+            </a:r>
+          </a:p>
+          <a:p>
+            <a:pPr algn="l"/>
+            <a:r>
+              <a:rPr lang="en-US" dirty="0">
+                <a:solidFill>
+                  <a:schemeClr val="bg1">
+                    <a:lumMod val="60000"/>
+                    <a:lumOff val="40000"/>
+                  </a:schemeClr>
+                </a:solidFill>
+              </a:rPr>
+              <a:t>• Defining position to state rep function non-trivial (I guess that’s the whole point)</a:t>
+            </a:r>
+          </a:p>
+        </p:txBody>
+      </p:sp>
     </p:spTree>
     <p:extLst>
       <p:ext uri="{BB962C8B-B14F-4D97-AF65-F5344CB8AC3E}">
@@ -5160,7 +5230,7 @@
           <a:lstStyle/>
           <a:p>
             <a:r>
-              <a:rPr lang="en-US" sz="4000" i="1" dirty="0">
+              <a:rPr lang="en-US" sz="4000" dirty="0">
                 <a:solidFill>
                   <a:schemeClr val="bg1">
                     <a:lumMod val="75000"/>
@@ -5168,16 +5238,8 @@
                 </a:solidFill>
                 <a:latin typeface="Tw Cen MT" panose="020B0602020104020603" pitchFamily="34" charset="77"/>
               </a:rPr>
-              <a:t>Place cells and grid cells  </a:t>
-            </a:r>
-            <a:endParaRPr lang="en-US" sz="4000" dirty="0">
-              <a:solidFill>
-                <a:schemeClr val="bg1">
-                  <a:lumMod val="75000"/>
-                </a:schemeClr>
-              </a:solidFill>
-              <a:latin typeface="Tw Cen MT" panose="020B0602020104020603" pitchFamily="34" charset="77"/>
-            </a:endParaRPr>
+              <a:t>Four rooms </a:t>
+            </a:r>
           </a:p>
         </p:txBody>
       </p:sp>
@@ -5221,520 +5283,42 @@
           </a:p>
         </p:txBody>
       </p:sp>
-      <p:sp>
-        <p:nvSpPr>
-          <p:cNvPr id="2" name="Rectangle 1">
+      <p:pic>
+        <p:nvPicPr>
+          <p:cNvPr id="17" name="Picture 16">
             <a:extLst>
               <a:ext uri="{FF2B5EF4-FFF2-40B4-BE49-F238E27FC236}">
-                <a16:creationId xmlns:a16="http://schemas.microsoft.com/office/drawing/2014/main" id="{A8FD609B-A5B0-C146-B044-DE0A5E1AB5CB}"/>
+                <a16:creationId xmlns:a16="http://schemas.microsoft.com/office/drawing/2014/main" id="{247E4F2C-06BD-A64A-83EC-4D8AB64F3D3D}"/>
               </a:ext>
             </a:extLst>
           </p:cNvPr>
-          <p:cNvSpPr/>
+          <p:cNvPicPr>
+            <a:picLocks noChangeAspect="1"/>
+          </p:cNvPicPr>
           <p:nvPr/>
-        </p:nvSpPr>
+        </p:nvPicPr>
+        <p:blipFill>
+          <a:blip r:embed="rId2"/>
+          <a:stretch>
+            <a:fillRect/>
+          </a:stretch>
+        </p:blipFill>
         <p:spPr>
           <a:xfrm>
-            <a:off x="3048000" y="1556792"/>
-            <a:ext cx="6096000" cy="1277273"/>
+            <a:off x="3287688" y="1645072"/>
+            <a:ext cx="5212928" cy="5212928"/>
           </a:xfrm>
           <a:prstGeom prst="rect">
             <a:avLst/>
           </a:prstGeom>
         </p:spPr>
-        <p:txBody>
-          <a:bodyPr>
-            <a:spAutoFit/>
-          </a:bodyPr>
-          <a:lstStyle/>
-          <a:p>
-            <a:r>
-              <a:rPr lang="en-GB" sz="1100" dirty="0" err="1">
-                <a:solidFill>
-                  <a:srgbClr val="000000"/>
-                </a:solidFill>
-                <a:latin typeface="Menlo" panose="020B0609030804020204" pitchFamily="49" charset="0"/>
-              </a:rPr>
-              <a:t>agent.alpha</a:t>
-            </a:r>
-            <a:r>
-              <a:rPr lang="en-GB" sz="1100" dirty="0">
-                <a:solidFill>
-                  <a:srgbClr val="000000"/>
-                </a:solidFill>
-                <a:latin typeface="Menlo" panose="020B0609030804020204" pitchFamily="49" charset="0"/>
-              </a:rPr>
-              <a:t> </a:t>
-            </a:r>
-            <a:r>
-              <a:rPr lang="en-GB" sz="1100" dirty="0">
-                <a:solidFill>
-                  <a:srgbClr val="383A42"/>
-                </a:solidFill>
-                <a:latin typeface="Menlo" panose="020B0609030804020204" pitchFamily="49" charset="0"/>
-              </a:rPr>
-              <a:t>=</a:t>
-            </a:r>
-            <a:r>
-              <a:rPr lang="en-GB" sz="1100" dirty="0">
-                <a:solidFill>
-                  <a:srgbClr val="000000"/>
-                </a:solidFill>
-                <a:latin typeface="Menlo" panose="020B0609030804020204" pitchFamily="49" charset="0"/>
-              </a:rPr>
-              <a:t> </a:t>
-            </a:r>
-            <a:r>
-              <a:rPr lang="en-GB" sz="1100" dirty="0">
-                <a:solidFill>
-                  <a:srgbClr val="986801"/>
-                </a:solidFill>
-                <a:latin typeface="Menlo" panose="020B0609030804020204" pitchFamily="49" charset="0"/>
-              </a:rPr>
-              <a:t>0.2</a:t>
-            </a:r>
-            <a:endParaRPr lang="en-GB" sz="1100" dirty="0">
-              <a:solidFill>
-                <a:srgbClr val="000000"/>
-              </a:solidFill>
-              <a:latin typeface="Menlo" panose="020B0609030804020204" pitchFamily="49" charset="0"/>
-            </a:endParaRPr>
-          </a:p>
-          <a:p>
-            <a:r>
-              <a:rPr lang="en-GB" sz="1100" dirty="0" err="1">
-                <a:solidFill>
-                  <a:srgbClr val="000000"/>
-                </a:solidFill>
-                <a:latin typeface="Menlo" panose="020B0609030804020204" pitchFamily="49" charset="0"/>
-              </a:rPr>
-              <a:t>agent.gamma</a:t>
-            </a:r>
-            <a:r>
-              <a:rPr lang="en-GB" sz="1100" dirty="0">
-                <a:solidFill>
-                  <a:srgbClr val="000000"/>
-                </a:solidFill>
-                <a:latin typeface="Menlo" panose="020B0609030804020204" pitchFamily="49" charset="0"/>
-              </a:rPr>
-              <a:t> </a:t>
-            </a:r>
-            <a:r>
-              <a:rPr lang="en-GB" sz="1100" dirty="0">
-                <a:solidFill>
-                  <a:srgbClr val="383A42"/>
-                </a:solidFill>
-                <a:latin typeface="Menlo" panose="020B0609030804020204" pitchFamily="49" charset="0"/>
-              </a:rPr>
-              <a:t>=</a:t>
-            </a:r>
-            <a:r>
-              <a:rPr lang="en-GB" sz="1100" dirty="0">
-                <a:solidFill>
-                  <a:srgbClr val="000000"/>
-                </a:solidFill>
-                <a:latin typeface="Menlo" panose="020B0609030804020204" pitchFamily="49" charset="0"/>
-              </a:rPr>
-              <a:t> </a:t>
-            </a:r>
-            <a:r>
-              <a:rPr lang="en-GB" sz="1100" dirty="0">
-                <a:solidFill>
-                  <a:srgbClr val="986801"/>
-                </a:solidFill>
-                <a:latin typeface="Menlo" panose="020B0609030804020204" pitchFamily="49" charset="0"/>
-              </a:rPr>
-              <a:t>0.99</a:t>
-            </a:r>
-            <a:endParaRPr lang="en-GB" sz="1100" dirty="0">
-              <a:solidFill>
-                <a:srgbClr val="000000"/>
-              </a:solidFill>
-              <a:latin typeface="Menlo" panose="020B0609030804020204" pitchFamily="49" charset="0"/>
-            </a:endParaRPr>
-          </a:p>
-          <a:p>
-            <a:r>
-              <a:rPr lang="en-GB" sz="1100" dirty="0" err="1">
-                <a:solidFill>
-                  <a:srgbClr val="000000"/>
-                </a:solidFill>
-                <a:latin typeface="Menlo" panose="020B0609030804020204" pitchFamily="49" charset="0"/>
-              </a:rPr>
-              <a:t>agent.dx</a:t>
-            </a:r>
-            <a:r>
-              <a:rPr lang="en-GB" sz="1100" dirty="0">
-                <a:solidFill>
-                  <a:srgbClr val="000000"/>
-                </a:solidFill>
-                <a:latin typeface="Menlo" panose="020B0609030804020204" pitchFamily="49" charset="0"/>
-              </a:rPr>
-              <a:t> </a:t>
-            </a:r>
-            <a:r>
-              <a:rPr lang="en-GB" sz="1100" dirty="0">
-                <a:solidFill>
-                  <a:srgbClr val="383A42"/>
-                </a:solidFill>
-                <a:latin typeface="Menlo" panose="020B0609030804020204" pitchFamily="49" charset="0"/>
-              </a:rPr>
-              <a:t>=</a:t>
-            </a:r>
-            <a:r>
-              <a:rPr lang="en-GB" sz="1100" dirty="0">
-                <a:solidFill>
-                  <a:srgbClr val="000000"/>
-                </a:solidFill>
-                <a:latin typeface="Menlo" panose="020B0609030804020204" pitchFamily="49" charset="0"/>
-              </a:rPr>
-              <a:t> </a:t>
-            </a:r>
-            <a:r>
-              <a:rPr lang="en-GB" sz="1100" dirty="0">
-                <a:solidFill>
-                  <a:srgbClr val="986801"/>
-                </a:solidFill>
-                <a:latin typeface="Menlo" panose="020B0609030804020204" pitchFamily="49" charset="0"/>
-              </a:rPr>
-              <a:t>0.1</a:t>
-            </a:r>
-            <a:endParaRPr lang="en-GB" sz="1100" dirty="0">
-              <a:solidFill>
-                <a:srgbClr val="000000"/>
-              </a:solidFill>
-              <a:latin typeface="Menlo" panose="020B0609030804020204" pitchFamily="49" charset="0"/>
-            </a:endParaRPr>
-          </a:p>
-          <a:p>
-            <a:r>
-              <a:rPr lang="en-GB" sz="1100" dirty="0" err="1">
-                <a:solidFill>
-                  <a:srgbClr val="000000"/>
-                </a:solidFill>
-                <a:latin typeface="Menlo" panose="020B0609030804020204" pitchFamily="49" charset="0"/>
-              </a:rPr>
-              <a:t>agent.walls</a:t>
-            </a:r>
-            <a:r>
-              <a:rPr lang="en-GB" sz="1100" dirty="0">
-                <a:solidFill>
-                  <a:srgbClr val="000000"/>
-                </a:solidFill>
-                <a:latin typeface="Menlo" panose="020B0609030804020204" pitchFamily="49" charset="0"/>
-              </a:rPr>
-              <a:t>[</a:t>
-            </a:r>
-            <a:r>
-              <a:rPr lang="en-GB" sz="1100" dirty="0">
-                <a:solidFill>
-                  <a:srgbClr val="50A14F"/>
-                </a:solidFill>
-                <a:latin typeface="Menlo" panose="020B0609030804020204" pitchFamily="49" charset="0"/>
-              </a:rPr>
-              <a:t>'barrier'</a:t>
-            </a:r>
-            <a:r>
-              <a:rPr lang="en-GB" sz="1100" dirty="0">
-                <a:solidFill>
-                  <a:srgbClr val="000000"/>
-                </a:solidFill>
-                <a:latin typeface="Menlo" panose="020B0609030804020204" pitchFamily="49" charset="0"/>
-              </a:rPr>
-              <a:t>] </a:t>
-            </a:r>
-            <a:r>
-              <a:rPr lang="en-GB" sz="1100" dirty="0">
-                <a:solidFill>
-                  <a:srgbClr val="383A42"/>
-                </a:solidFill>
-                <a:latin typeface="Menlo" panose="020B0609030804020204" pitchFamily="49" charset="0"/>
-              </a:rPr>
-              <a:t>=</a:t>
-            </a:r>
-            <a:r>
-              <a:rPr lang="en-GB" sz="1100" dirty="0">
-                <a:solidFill>
-                  <a:srgbClr val="000000"/>
-                </a:solidFill>
-                <a:latin typeface="Menlo" panose="020B0609030804020204" pitchFamily="49" charset="0"/>
-              </a:rPr>
-              <a:t> </a:t>
-            </a:r>
-            <a:r>
-              <a:rPr lang="en-GB" sz="1100" dirty="0" err="1">
-                <a:solidFill>
-                  <a:srgbClr val="000000"/>
-                </a:solidFill>
-                <a:latin typeface="Menlo" panose="020B0609030804020204" pitchFamily="49" charset="0"/>
-              </a:rPr>
-              <a:t>np.array</a:t>
-            </a:r>
-            <a:r>
-              <a:rPr lang="en-GB" sz="1100" dirty="0">
-                <a:solidFill>
-                  <a:srgbClr val="000000"/>
-                </a:solidFill>
-                <a:latin typeface="Menlo" panose="020B0609030804020204" pitchFamily="49" charset="0"/>
-              </a:rPr>
-              <a:t>([[[</a:t>
-            </a:r>
-            <a:r>
-              <a:rPr lang="en-GB" sz="1100" dirty="0">
-                <a:solidFill>
-                  <a:srgbClr val="986801"/>
-                </a:solidFill>
-                <a:latin typeface="Menlo" panose="020B0609030804020204" pitchFamily="49" charset="0"/>
-              </a:rPr>
-              <a:t>0.3</a:t>
-            </a:r>
-            <a:r>
-              <a:rPr lang="en-GB" sz="1100" dirty="0">
-                <a:solidFill>
-                  <a:srgbClr val="000000"/>
-                </a:solidFill>
-                <a:latin typeface="Menlo" panose="020B0609030804020204" pitchFamily="49" charset="0"/>
-              </a:rPr>
-              <a:t>,</a:t>
-            </a:r>
-            <a:r>
-              <a:rPr lang="en-GB" sz="1100" dirty="0">
-                <a:solidFill>
-                  <a:srgbClr val="986801"/>
-                </a:solidFill>
-                <a:latin typeface="Menlo" panose="020B0609030804020204" pitchFamily="49" charset="0"/>
-              </a:rPr>
-              <a:t>0.7</a:t>
-            </a:r>
-            <a:r>
-              <a:rPr lang="en-GB" sz="1100" dirty="0">
-                <a:solidFill>
-                  <a:srgbClr val="000000"/>
-                </a:solidFill>
-                <a:latin typeface="Menlo" panose="020B0609030804020204" pitchFamily="49" charset="0"/>
-              </a:rPr>
-              <a:t>],[</a:t>
-            </a:r>
-            <a:r>
-              <a:rPr lang="en-GB" sz="1100" dirty="0">
-                <a:solidFill>
-                  <a:srgbClr val="986801"/>
-                </a:solidFill>
-                <a:latin typeface="Menlo" panose="020B0609030804020204" pitchFamily="49" charset="0"/>
-              </a:rPr>
-              <a:t>0.7</a:t>
-            </a:r>
-            <a:r>
-              <a:rPr lang="en-GB" sz="1100" dirty="0">
-                <a:solidFill>
-                  <a:srgbClr val="000000"/>
-                </a:solidFill>
-                <a:latin typeface="Menlo" panose="020B0609030804020204" pitchFamily="49" charset="0"/>
-              </a:rPr>
-              <a:t>,</a:t>
-            </a:r>
-            <a:r>
-              <a:rPr lang="en-GB" sz="1100" dirty="0">
-                <a:solidFill>
-                  <a:srgbClr val="986801"/>
-                </a:solidFill>
-                <a:latin typeface="Menlo" panose="020B0609030804020204" pitchFamily="49" charset="0"/>
-              </a:rPr>
-              <a:t>0.3</a:t>
-            </a:r>
-            <a:r>
-              <a:rPr lang="en-GB" sz="1100" dirty="0">
-                <a:solidFill>
-                  <a:srgbClr val="000000"/>
-                </a:solidFill>
-                <a:latin typeface="Menlo" panose="020B0609030804020204" pitchFamily="49" charset="0"/>
-              </a:rPr>
-              <a:t>]]])</a:t>
-            </a:r>
-          </a:p>
-          <a:p>
-            <a:r>
-              <a:rPr lang="en-GB" sz="1100" dirty="0">
-                <a:solidFill>
-                  <a:srgbClr val="A626A4"/>
-                </a:solidFill>
-                <a:latin typeface="Menlo" panose="020B0609030804020204" pitchFamily="49" charset="0"/>
-              </a:rPr>
-              <a:t>for</a:t>
-            </a:r>
-            <a:r>
-              <a:rPr lang="en-GB" sz="1100" dirty="0">
-                <a:solidFill>
-                  <a:srgbClr val="000000"/>
-                </a:solidFill>
-                <a:latin typeface="Menlo" panose="020B0609030804020204" pitchFamily="49" charset="0"/>
-              </a:rPr>
-              <a:t> </a:t>
-            </a:r>
-            <a:r>
-              <a:rPr lang="en-GB" sz="1100" dirty="0" err="1">
-                <a:solidFill>
-                  <a:srgbClr val="000000"/>
-                </a:solidFill>
-                <a:latin typeface="Menlo" panose="020B0609030804020204" pitchFamily="49" charset="0"/>
-              </a:rPr>
-              <a:t>i</a:t>
-            </a:r>
-            <a:r>
-              <a:rPr lang="en-GB" sz="1100" dirty="0">
-                <a:solidFill>
-                  <a:srgbClr val="000000"/>
-                </a:solidFill>
-                <a:latin typeface="Menlo" panose="020B0609030804020204" pitchFamily="49" charset="0"/>
-              </a:rPr>
-              <a:t> </a:t>
-            </a:r>
-            <a:r>
-              <a:rPr lang="en-GB" sz="1100" dirty="0">
-                <a:solidFill>
-                  <a:srgbClr val="A626A4"/>
-                </a:solidFill>
-                <a:latin typeface="Menlo" panose="020B0609030804020204" pitchFamily="49" charset="0"/>
-              </a:rPr>
-              <a:t>in</a:t>
-            </a:r>
-            <a:r>
-              <a:rPr lang="en-GB" sz="1100" dirty="0">
-                <a:solidFill>
-                  <a:srgbClr val="000000"/>
-                </a:solidFill>
-                <a:latin typeface="Menlo" panose="020B0609030804020204" pitchFamily="49" charset="0"/>
-              </a:rPr>
-              <a:t> </a:t>
-            </a:r>
-            <a:r>
-              <a:rPr lang="en-GB" sz="1100" dirty="0" err="1">
-                <a:solidFill>
-                  <a:srgbClr val="000000"/>
-                </a:solidFill>
-                <a:latin typeface="Menlo" panose="020B0609030804020204" pitchFamily="49" charset="0"/>
-              </a:rPr>
-              <a:t>tqdm</a:t>
-            </a:r>
-            <a:r>
-              <a:rPr lang="en-GB" sz="1100" dirty="0">
-                <a:solidFill>
-                  <a:srgbClr val="000000"/>
-                </a:solidFill>
-                <a:latin typeface="Menlo" panose="020B0609030804020204" pitchFamily="49" charset="0"/>
-              </a:rPr>
-              <a:t>(</a:t>
-            </a:r>
-            <a:r>
-              <a:rPr lang="en-GB" sz="1100" dirty="0">
-                <a:solidFill>
-                  <a:srgbClr val="0184BC"/>
-                </a:solidFill>
-                <a:latin typeface="Menlo" panose="020B0609030804020204" pitchFamily="49" charset="0"/>
-              </a:rPr>
-              <a:t>range</a:t>
-            </a:r>
-            <a:r>
-              <a:rPr lang="en-GB" sz="1100" dirty="0">
-                <a:solidFill>
-                  <a:srgbClr val="000000"/>
-                </a:solidFill>
-                <a:latin typeface="Menlo" panose="020B0609030804020204" pitchFamily="49" charset="0"/>
-              </a:rPr>
-              <a:t>(</a:t>
-            </a:r>
-            <a:r>
-              <a:rPr lang="en-GB" sz="1100" dirty="0">
-                <a:solidFill>
-                  <a:srgbClr val="986801"/>
-                </a:solidFill>
-                <a:latin typeface="Menlo" panose="020B0609030804020204" pitchFamily="49" charset="0"/>
-              </a:rPr>
-              <a:t>100000</a:t>
-            </a:r>
-            <a:r>
-              <a:rPr lang="en-GB" sz="1100" dirty="0">
-                <a:solidFill>
-                  <a:srgbClr val="000000"/>
-                </a:solidFill>
-                <a:latin typeface="Menlo" panose="020B0609030804020204" pitchFamily="49" charset="0"/>
-              </a:rPr>
-              <a:t>)):</a:t>
-            </a:r>
-          </a:p>
-          <a:p>
-            <a:r>
-              <a:rPr lang="en-GB" sz="1100" dirty="0">
-                <a:solidFill>
-                  <a:srgbClr val="000000"/>
-                </a:solidFill>
-                <a:latin typeface="Menlo" panose="020B0609030804020204" pitchFamily="49" charset="0"/>
-              </a:rPr>
-              <a:t>    </a:t>
-            </a:r>
-            <a:r>
-              <a:rPr lang="en-GB" sz="1100" dirty="0" err="1">
-                <a:solidFill>
-                  <a:srgbClr val="000000"/>
-                </a:solidFill>
-                <a:latin typeface="Menlo" panose="020B0609030804020204" pitchFamily="49" charset="0"/>
-              </a:rPr>
-              <a:t>agent.movementPolicyUpdate</a:t>
-            </a:r>
-            <a:r>
-              <a:rPr lang="en-GB" sz="1100" dirty="0">
-                <a:solidFill>
-                  <a:srgbClr val="000000"/>
-                </a:solidFill>
-                <a:latin typeface="Menlo" panose="020B0609030804020204" pitchFamily="49" charset="0"/>
-              </a:rPr>
-              <a:t>()</a:t>
-            </a:r>
-          </a:p>
-          <a:p>
-            <a:r>
-              <a:rPr lang="en-GB" sz="1100" dirty="0">
-                <a:solidFill>
-                  <a:srgbClr val="000000"/>
-                </a:solidFill>
-                <a:latin typeface="Menlo" panose="020B0609030804020204" pitchFamily="49" charset="0"/>
-              </a:rPr>
-              <a:t>    </a:t>
-            </a:r>
-            <a:r>
-              <a:rPr lang="en-GB" sz="1100" dirty="0" err="1">
-                <a:solidFill>
-                  <a:srgbClr val="000000"/>
-                </a:solidFill>
-                <a:latin typeface="Menlo" panose="020B0609030804020204" pitchFamily="49" charset="0"/>
-              </a:rPr>
-              <a:t>agent.TDLearningStep</a:t>
-            </a:r>
-            <a:r>
-              <a:rPr lang="en-GB" sz="1100" dirty="0">
-                <a:solidFill>
-                  <a:srgbClr val="000000"/>
-                </a:solidFill>
-                <a:latin typeface="Menlo" panose="020B0609030804020204" pitchFamily="49" charset="0"/>
-              </a:rPr>
-              <a:t>()</a:t>
-            </a:r>
-            <a:endParaRPr lang="en-GB" sz="1100" b="0" dirty="0">
-              <a:solidFill>
-                <a:srgbClr val="000000"/>
-              </a:solidFill>
-              <a:effectLst/>
-              <a:latin typeface="Menlo" panose="020B0609030804020204" pitchFamily="49" charset="0"/>
-            </a:endParaRPr>
-          </a:p>
-        </p:txBody>
-      </p:sp>
+      </p:pic>
       <p:sp>
         <p:nvSpPr>
-          <p:cNvPr id="3" name="TextBox 2">
+          <p:cNvPr id="20" name="TextBox 19">
             <a:extLst>
               <a:ext uri="{FF2B5EF4-FFF2-40B4-BE49-F238E27FC236}">
-                <a16:creationId xmlns:a16="http://schemas.microsoft.com/office/drawing/2014/main" id="{255100BD-3DE8-784D-B88B-668BDD7A8238}"/>
+                <a16:creationId xmlns:a16="http://schemas.microsoft.com/office/drawing/2014/main" id="{BAC8308A-8B11-EE4A-A1CF-EF151DE40E60}"/>
               </a:ext>
             </a:extLst>
           </p:cNvPr>
@@ -5743,8 +5327,8 @@
         </p:nvSpPr>
         <p:spPr>
           <a:xfrm>
-            <a:off x="5015880" y="3185511"/>
-            <a:ext cx="8984383" cy="369332"/>
+            <a:off x="1350293" y="7270195"/>
+            <a:ext cx="3874790" cy="1200329"/>
           </a:xfrm>
           <a:prstGeom prst="rect">
             <a:avLst/>
@@ -5752,50 +5336,7 @@
           <a:noFill/>
         </p:spPr>
         <p:txBody>
-          <a:bodyPr wrap="none" rtlCol="0">
-            <a:spAutoFit/>
-          </a:bodyPr>
-          <a:lstStyle/>
-          <a:p>
-            <a:pPr algn="l"/>
-            <a:r>
-              <a:rPr lang="en-US" dirty="0">
-                <a:solidFill>
-                  <a:schemeClr val="bg1">
-                    <a:lumMod val="60000"/>
-                    <a:lumOff val="40000"/>
-                  </a:schemeClr>
-                </a:solidFill>
-              </a:rPr>
-              <a:t>Place cells leak over barrier since positions on either side of the barrier map to same state rep</a:t>
-            </a:r>
-          </a:p>
-        </p:txBody>
-      </p:sp>
-      <p:sp>
-        <p:nvSpPr>
-          <p:cNvPr id="9" name="TextBox 8">
-            <a:extLst>
-              <a:ext uri="{FF2B5EF4-FFF2-40B4-BE49-F238E27FC236}">
-                <a16:creationId xmlns:a16="http://schemas.microsoft.com/office/drawing/2014/main" id="{17C5E206-95E7-304C-8E3D-1BD883D9E958}"/>
-              </a:ext>
-            </a:extLst>
-          </p:cNvPr>
-          <p:cNvSpPr txBox="1"/>
-          <p:nvPr/>
-        </p:nvSpPr>
-        <p:spPr>
-          <a:xfrm>
-            <a:off x="2432957" y="5225143"/>
-            <a:ext cx="7537833" cy="923330"/>
-          </a:xfrm>
-          <a:prstGeom prst="rect">
-            <a:avLst/>
-          </a:prstGeom>
-          <a:noFill/>
-        </p:spPr>
-        <p:txBody>
-          <a:bodyPr wrap="none" rtlCol="0">
+          <a:bodyPr wrap="square" rtlCol="0">
             <a:spAutoFit/>
           </a:bodyPr>
           <a:lstStyle/>
@@ -5846,203 +5387,7 @@
     </p:spTree>
     <p:extLst>
       <p:ext uri="{BB962C8B-B14F-4D97-AF65-F5344CB8AC3E}">
-        <p14:creationId xmlns:p14="http://schemas.microsoft.com/office/powerpoint/2010/main" val="1336779581"/>
-      </p:ext>
-    </p:extLst>
-  </p:cSld>
-  <p:clrMapOvr>
-    <a:masterClrMapping/>
-  </p:clrMapOvr>
-</p:sld>
-</file>
-
-<file path=ppt/slides/slide6.xml><?xml version="1.0" encoding="utf-8"?>
-<p:sld xmlns:a="http://schemas.openxmlformats.org/drawingml/2006/main" xmlns:r="http://schemas.openxmlformats.org/officeDocument/2006/relationships" xmlns:p="http://schemas.openxmlformats.org/presentationml/2006/main">
-  <p:cSld>
-    <p:spTree>
-      <p:nvGrpSpPr>
-        <p:cNvPr id="1" name=""/>
-        <p:cNvGrpSpPr/>
-        <p:nvPr/>
-      </p:nvGrpSpPr>
-      <p:grpSpPr>
-        <a:xfrm>
-          <a:off x="0" y="0"/>
-          <a:ext cx="0" cy="0"/>
-          <a:chOff x="0" y="0"/>
-          <a:chExt cx="0" cy="0"/>
-        </a:xfrm>
-      </p:grpSpPr>
-      <p:sp>
-        <p:nvSpPr>
-          <p:cNvPr id="5" name="TextBox 4">
-            <a:extLst>
-              <a:ext uri="{FF2B5EF4-FFF2-40B4-BE49-F238E27FC236}">
-                <a16:creationId xmlns:a16="http://schemas.microsoft.com/office/drawing/2014/main" id="{2C1C5BFF-26CF-914D-A9B5-837651845882}"/>
-              </a:ext>
-            </a:extLst>
-          </p:cNvPr>
-          <p:cNvSpPr txBox="1"/>
-          <p:nvPr/>
-        </p:nvSpPr>
-        <p:spPr>
-          <a:xfrm>
-            <a:off x="-9007" y="809417"/>
-            <a:ext cx="12369704" cy="707886"/>
-          </a:xfrm>
-          <a:prstGeom prst="rect">
-            <a:avLst/>
-          </a:prstGeom>
-          <a:solidFill>
-            <a:schemeClr val="bg1">
-              <a:lumMod val="20000"/>
-              <a:lumOff val="80000"/>
-            </a:schemeClr>
-          </a:solidFill>
-        </p:spPr>
-        <p:txBody>
-          <a:bodyPr wrap="square" rtlCol="0">
-            <a:spAutoFit/>
-          </a:bodyPr>
-          <a:lstStyle/>
-          <a:p>
-            <a:r>
-              <a:rPr lang="en-US" sz="4000" i="1" dirty="0">
-                <a:solidFill>
-                  <a:schemeClr val="bg1">
-                    <a:lumMod val="75000"/>
-                  </a:schemeClr>
-                </a:solidFill>
-                <a:latin typeface="Tw Cen MT" panose="020B0602020104020603" pitchFamily="34" charset="77"/>
-              </a:rPr>
-              <a:t>Place cells and grid cells  </a:t>
-            </a:r>
-            <a:endParaRPr lang="en-US" sz="4000" dirty="0">
-              <a:solidFill>
-                <a:schemeClr val="bg1">
-                  <a:lumMod val="75000"/>
-                </a:schemeClr>
-              </a:solidFill>
-              <a:latin typeface="Tw Cen MT" panose="020B0602020104020603" pitchFamily="34" charset="77"/>
-            </a:endParaRPr>
-          </a:p>
-        </p:txBody>
-      </p:sp>
-      <p:sp>
-        <p:nvSpPr>
-          <p:cNvPr id="11" name="TextBox 10">
-            <a:extLst>
-              <a:ext uri="{FF2B5EF4-FFF2-40B4-BE49-F238E27FC236}">
-                <a16:creationId xmlns:a16="http://schemas.microsoft.com/office/drawing/2014/main" id="{E32789A5-652D-3645-BF2F-28B620F76CA5}"/>
-              </a:ext>
-            </a:extLst>
-          </p:cNvPr>
-          <p:cNvSpPr txBox="1"/>
-          <p:nvPr/>
-        </p:nvSpPr>
-        <p:spPr>
-          <a:xfrm>
-            <a:off x="9120336" y="3429000"/>
-            <a:ext cx="184731" cy="369332"/>
-          </a:xfrm>
-          <a:prstGeom prst="rect">
-            <a:avLst/>
-          </a:prstGeom>
-          <a:noFill/>
-        </p:spPr>
-        <p:txBody>
-          <a:bodyPr wrap="none" rtlCol="0">
-            <a:spAutoFit/>
-          </a:bodyPr>
-          <a:lstStyle/>
-          <a:p>
-            <a:pPr algn="l"/>
-            <a:endParaRPr lang="en-US" dirty="0">
-              <a:solidFill>
-                <a:schemeClr val="bg1">
-                  <a:lumMod val="60000"/>
-                  <a:lumOff val="40000"/>
-                </a:schemeClr>
-              </a:solidFill>
-            </a:endParaRPr>
-          </a:p>
-        </p:txBody>
-      </p:sp>
-      <p:sp>
-        <p:nvSpPr>
-          <p:cNvPr id="9" name="TextBox 8">
-            <a:extLst>
-              <a:ext uri="{FF2B5EF4-FFF2-40B4-BE49-F238E27FC236}">
-                <a16:creationId xmlns:a16="http://schemas.microsoft.com/office/drawing/2014/main" id="{17C5E206-95E7-304C-8E3D-1BD883D9E958}"/>
-              </a:ext>
-            </a:extLst>
-          </p:cNvPr>
-          <p:cNvSpPr txBox="1"/>
-          <p:nvPr/>
-        </p:nvSpPr>
-        <p:spPr>
-          <a:xfrm>
-            <a:off x="2432957" y="5225143"/>
-            <a:ext cx="7537833" cy="923330"/>
-          </a:xfrm>
-          <a:prstGeom prst="rect">
-            <a:avLst/>
-          </a:prstGeom>
-          <a:noFill/>
-        </p:spPr>
-        <p:txBody>
-          <a:bodyPr wrap="none" rtlCol="0">
-            <a:spAutoFit/>
-          </a:bodyPr>
-          <a:lstStyle/>
-          <a:p>
-            <a:pPr algn="l"/>
-            <a:r>
-              <a:rPr lang="en-US" dirty="0">
-                <a:solidFill>
-                  <a:schemeClr val="bg1">
-                    <a:lumMod val="60000"/>
-                    <a:lumOff val="40000"/>
-                  </a:schemeClr>
-                </a:solidFill>
-              </a:rPr>
-              <a:t>Biggest problems: </a:t>
-            </a:r>
-          </a:p>
-          <a:p>
-            <a:pPr algn="l"/>
-            <a:r>
-              <a:rPr lang="en-US" dirty="0">
-                <a:solidFill>
-                  <a:schemeClr val="bg1">
-                    <a:lumMod val="60000"/>
-                    <a:lumOff val="40000"/>
-                  </a:schemeClr>
-                </a:solidFill>
-              </a:rPr>
-              <a:t>• Can be slow to train </a:t>
-            </a:r>
-          </a:p>
-          <a:p>
-            <a:pPr algn="l"/>
-            <a:r>
-              <a:rPr lang="en-US" dirty="0">
-                <a:solidFill>
-                  <a:schemeClr val="bg1">
-                    <a:lumMod val="60000"/>
-                    <a:lumOff val="40000"/>
-                  </a:schemeClr>
-                </a:solidFill>
-              </a:rPr>
-              <a:t>• Defining position to state rep function non-trivial (I guess that’s the whole point)</a:t>
-            </a:r>
-          </a:p>
-        </p:txBody>
-      </p:sp>
-    </p:spTree>
-    <p:extLst>
-      <p:ext uri="{BB962C8B-B14F-4D97-AF65-F5344CB8AC3E}">
-        <p14:creationId xmlns:p14="http://schemas.microsoft.com/office/powerpoint/2010/main" val="163470865"/>
+        <p14:creationId xmlns:p14="http://schemas.microsoft.com/office/powerpoint/2010/main" val="3259314298"/>
       </p:ext>
     </p:extLst>
   </p:cSld>
